--- a/slides/opening.pptx
+++ b/slides/opening.pptx
@@ -19,17 +19,18 @@
     <p:sldMasterId id="2147486156" r:id="rId15"/>
   </p:sldMasterIdLst>
   <p:notesMasterIdLst>
-    <p:notesMasterId r:id="rId21"/>
+    <p:notesMasterId r:id="rId22"/>
   </p:notesMasterIdLst>
   <p:handoutMasterIdLst>
-    <p:handoutMasterId r:id="rId22"/>
+    <p:handoutMasterId r:id="rId23"/>
   </p:handoutMasterIdLst>
   <p:sldIdLst>
     <p:sldId id="490" r:id="rId16"/>
     <p:sldId id="855" r:id="rId17"/>
-    <p:sldId id="859" r:id="rId18"/>
-    <p:sldId id="738" r:id="rId19"/>
-    <p:sldId id="858" r:id="rId20"/>
+    <p:sldId id="861" r:id="rId18"/>
+    <p:sldId id="860" r:id="rId19"/>
+    <p:sldId id="738" r:id="rId20"/>
+    <p:sldId id="858" r:id="rId21"/>
   </p:sldIdLst>
   <p:sldSz cx="9144000" cy="6858000" type="screen4x3"/>
   <p:notesSz cx="9929813" cy="6789738"/>
@@ -931,7 +932,7 @@
           <a:p>
             <a:fld id="{A6306D47-C2F9-4FC2-AAA7-63ADC8F2A558}" type="slidenum">
               <a:rPr lang="fr-FR" smtClean="0"/>
-              <a:t>4</a:t>
+              <a:t>5</a:t>
             </a:fld>
             <a:endParaRPr lang="fr-FR"/>
           </a:p>
@@ -59940,17 +59941,36 @@
           <a:lstStyle/>
           <a:p>
             <a:r>
+              <a:rPr lang="fr-FR" sz="1600" dirty="0" err="1" smtClean="0"/>
+              <a:t>Barais</a:t>
+            </a:r>
+            <a:r>
               <a:rPr lang="fr-FR" sz="1600" dirty="0" smtClean="0"/>
-              <a:t>Andreas </a:t>
+              <a:t>, </a:t>
             </a:r>
             <a:r>
               <a:rPr lang="fr-FR" sz="1600" dirty="0" err="1" smtClean="0"/>
+              <a:t>Combemale</a:t>
+            </a:r>
+            <a:r>
+              <a:rPr lang="fr-FR" sz="1600" dirty="0" smtClean="0"/>
+              <a:t>, </a:t>
+            </a:r>
+            <a:r>
+              <a:rPr lang="de-DE" sz="1600" u="sng" kern="1200" dirty="0" err="1" smtClean="0"/>
+              <a:t>Vojtisek</a:t>
+            </a:r>
+            <a:r>
+              <a:rPr lang="de-DE" sz="1600" kern="1200" dirty="0" smtClean="0"/>
+              <a:t>, </a:t>
+            </a:r>
+            <a:r>
+              <a:rPr lang="fr-FR" sz="1600" u="sng" dirty="0" err="1" smtClean="0"/>
               <a:t>Wortmann</a:t>
             </a:r>
-            <a:r>
-              <a:rPr lang="fr-FR" sz="1600" dirty="0" smtClean="0"/>
-              <a:t> (</a:t>
-            </a:r>
+            <a:endParaRPr lang="fr-FR" sz="1600" u="sng" dirty="0"/>
+          </a:p>
+          <a:p>
             <a:r>
               <a:rPr lang="fr-FR" sz="1600" dirty="0" err="1" smtClean="0"/>
               <a:t>Inria</a:t>
@@ -59969,40 +59989,33 @@
             </a:r>
             <a:r>
               <a:rPr lang="fr-FR" sz="1600" dirty="0"/>
-              <a:t>. Rennes 1)</a:t>
+              <a:t>. Rennes </a:t>
+            </a:r>
+            <a:r>
+              <a:rPr lang="fr-FR" sz="1600" dirty="0" smtClean="0"/>
+              <a:t>1</a:t>
             </a:r>
           </a:p>
           <a:p>
             <a:r>
               <a:rPr lang="fr-FR" sz="1200" i="1" dirty="0"/>
-              <a:t>http</a:t>
+              <a:t>http://</a:t>
+            </a:r>
+            <a:r>
+              <a:rPr lang="fr-FR" sz="1200" i="1" dirty="0" err="1"/>
+              <a:t>diverse.irisa.fr</a:t>
+            </a:r>
+            <a:r>
+              <a:rPr lang="fr-FR" sz="1200" i="1" dirty="0"/>
+              <a:t>/ </a:t>
             </a:r>
             <a:r>
               <a:rPr lang="fr-FR" sz="1200" i="1" dirty="0" smtClean="0"/>
-              <a:t>://</a:t>
-            </a:r>
-            <a:r>
-              <a:rPr lang="fr-FR" sz="1200" i="1" dirty="0" err="1" smtClean="0"/>
-              <a:t>www.andreaswortmann.de</a:t>
-            </a:r>
-            <a:endParaRPr lang="fr-FR" sz="1200" i="1" dirty="0"/>
-          </a:p>
-          <a:p>
-            <a:r>
-              <a:rPr lang="fr-FR" sz="1200" i="1" dirty="0" err="1" smtClean="0"/>
-              <a:t>andreas.wortmann@irisa.fr</a:t>
-            </a:r>
-            <a:endParaRPr lang="fr-FR" sz="1200" i="1" dirty="0"/>
-          </a:p>
-          <a:p>
-            <a:r>
+              <a:t/>
+            </a:r>
+            <a:br>
               <a:rPr lang="fr-FR" sz="1200" i="1" dirty="0" smtClean="0"/>
-              <a:t>@</a:t>
-            </a:r>
-            <a:r>
-              <a:rPr lang="fr-FR" sz="1200" i="1" dirty="0" err="1" smtClean="0"/>
-              <a:t>andwor</a:t>
-            </a:r>
+            </a:br>
             <a:endParaRPr lang="fr-FR" sz="1200" i="1" dirty="0"/>
           </a:p>
         </p:txBody>
@@ -60246,7 +60259,7 @@
           <a:noFill/>
           <a:extLst>
             <a:ext uri="{909E8E84-426E-40dd-AFC4-6F175D3DCCD1}">
-              <a14:hiddenFill xmlns:a14="http://schemas.microsoft.com/office/drawing/2010/main" xmlns="">
+              <a14:hiddenFill xmlns="" xmlns:a14="http://schemas.microsoft.com/office/drawing/2010/main">
                 <a:solidFill>
                   <a:srgbClr val="FFFFFF"/>
                 </a:solidFill>
@@ -60287,7 +60300,7 @@
           <a:noFill/>
           <a:extLst>
             <a:ext uri="{909E8E84-426E-40dd-AFC4-6F175D3DCCD1}">
-              <a14:hiddenFill xmlns:a14="http://schemas.microsoft.com/office/drawing/2010/main" xmlns="">
+              <a14:hiddenFill xmlns="" xmlns:a14="http://schemas.microsoft.com/office/drawing/2010/main">
                 <a:solidFill>
                   <a:srgbClr val="FFFFFF"/>
                 </a:solidFill>
@@ -60328,7 +60341,7 @@
           <a:noFill/>
           <a:extLst>
             <a:ext uri="{909E8E84-426E-40dd-AFC4-6F175D3DCCD1}">
-              <a14:hiddenFill xmlns:a14="http://schemas.microsoft.com/office/drawing/2010/main" xmlns="">
+              <a14:hiddenFill xmlns="" xmlns:a14="http://schemas.microsoft.com/office/drawing/2010/main">
                 <a:solidFill>
                   <a:srgbClr val="FFFFFF"/>
                 </a:solidFill>
@@ -60440,7 +60453,6 @@
               <a:rPr lang="en-US" dirty="0"/>
               <a:t>GEMOC Studio Tutorial</a:t>
             </a:r>
-            <a:endParaRPr lang="en-US" dirty="0"/>
           </a:p>
         </p:txBody>
       </p:sp>
@@ -60533,7 +60545,7 @@
             </a:pPr>
             <a:r>
               <a:rPr lang="en-US" dirty="0" smtClean="0"/>
-              <a:t>Extend a DSL: syntax and semantics, graphical animation, </a:t>
+              <a:t>Extend a DSL: syntax and semantics, graphical animation</a:t>
             </a:r>
           </a:p>
           <a:p>
@@ -60547,7 +60559,7 @@
             </a:r>
             <a:r>
               <a:rPr lang="en-US" dirty="0" err="1" smtClean="0"/>
-              <a:t>MontiArc</a:t>
+              <a:t>XMontiArc</a:t>
             </a:r>
             <a:endParaRPr lang="en-US" dirty="0" smtClean="0"/>
           </a:p>
@@ -60558,47 +60570,90 @@
             </a:pPr>
             <a:r>
               <a:rPr lang="en-US" dirty="0" smtClean="0"/>
+              <a:t>Combine both DSLs</a:t>
+            </a:r>
+          </a:p>
+          <a:p>
+            <a:pPr marL="342900" indent="-342900">
+              <a:buFont typeface="Arial" charset="0"/>
+              <a:buChar char="•"/>
+            </a:pPr>
+            <a:r>
+              <a:rPr lang="en-US" dirty="0" smtClean="0"/>
               <a:t>Materials </a:t>
             </a:r>
             <a:r>
               <a:rPr lang="en-US" dirty="0"/>
-              <a:t>are available from</a:t>
+              <a:t>are available </a:t>
+            </a:r>
+            <a:r>
+              <a:rPr lang="en-US" dirty="0" smtClean="0"/>
+              <a:t>from</a:t>
+            </a:r>
+            <a:r>
+              <a:rPr lang="en-US" dirty="0"/>
+              <a:t/>
             </a:r>
             <a:br>
               <a:rPr lang="en-US" dirty="0"/>
             </a:br>
             <a:r>
-              <a:rPr lang="en-US" dirty="0"/>
-              <a:t/>
-            </a:r>
-            <a:br>
-              <a:rPr lang="en-US" dirty="0"/>
-            </a:br>
-            <a:r>
               <a:rPr lang="en-US" dirty="0" smtClean="0"/>
-              <a:t>             https</a:t>
-            </a:r>
-            <a:r>
-              <a:rPr lang="en-US" dirty="0"/>
+              <a:t>             </a:t>
+            </a:r>
+            <a:r>
+              <a:rPr lang="en-US" u="sng" dirty="0" smtClean="0">
+                <a:solidFill>
+                  <a:srgbClr val="FF0000"/>
+                </a:solidFill>
+              </a:rPr>
+              <a:t>https</a:t>
+            </a:r>
+            <a:r>
+              <a:rPr lang="en-US" u="sng" dirty="0">
+                <a:solidFill>
+                  <a:srgbClr val="FF0000"/>
+                </a:solidFill>
+              </a:rPr>
               <a:t>://</a:t>
             </a:r>
             <a:r>
-              <a:rPr lang="en-US" dirty="0" err="1"/>
+              <a:rPr lang="en-US" u="sng" dirty="0" err="1">
+                <a:solidFill>
+                  <a:srgbClr val="FF0000"/>
+                </a:solidFill>
+              </a:rPr>
               <a:t>github.com</a:t>
             </a:r>
             <a:r>
-              <a:rPr lang="en-US" dirty="0"/>
+              <a:rPr lang="en-US" u="sng" dirty="0">
+                <a:solidFill>
+                  <a:srgbClr val="FF0000"/>
+                </a:solidFill>
+              </a:rPr>
               <a:t>/</a:t>
             </a:r>
             <a:r>
-              <a:rPr lang="en-US" dirty="0" err="1"/>
+              <a:rPr lang="en-US" u="sng" dirty="0" err="1">
+                <a:solidFill>
+                  <a:srgbClr val="FF0000"/>
+                </a:solidFill>
+              </a:rPr>
               <a:t>gemoc</a:t>
             </a:r>
             <a:r>
-              <a:rPr lang="en-US" dirty="0"/>
+              <a:rPr lang="en-US" u="sng" dirty="0">
+                <a:solidFill>
+                  <a:srgbClr val="FF0000"/>
+                </a:solidFill>
+              </a:rPr>
               <a:t>/ICSA2017Tutorial</a:t>
             </a:r>
-            <a:endParaRPr lang="en-US" dirty="0" smtClean="0"/>
+            <a:endParaRPr lang="en-US" u="sng" dirty="0" smtClean="0">
+              <a:solidFill>
+                <a:srgbClr val="FF0000"/>
+              </a:solidFill>
+            </a:endParaRPr>
           </a:p>
         </p:txBody>
       </p:sp>
@@ -60655,10 +60710,10 @@
           <a:lstStyle/>
           <a:p>
             <a:r>
-              <a:rPr lang="en-US" smtClean="0"/>
-              <a:t>Preparations</a:t>
-            </a:r>
-            <a:endParaRPr lang="en-US"/>
+              <a:rPr lang="en-US" dirty="0" smtClean="0"/>
+              <a:t>People</a:t>
+            </a:r>
+            <a:endParaRPr lang="en-US" dirty="0"/>
           </a:p>
         </p:txBody>
       </p:sp>
@@ -60718,73 +60773,537 @@
           </a:p>
         </p:txBody>
       </p:sp>
-      <p:sp>
-        <p:nvSpPr>
-          <p:cNvPr id="5" name="Inhaltsplatzhalter 4"/>
-          <p:cNvSpPr>
-            <a:spLocks noGrp="1"/>
-          </p:cNvSpPr>
+      <p:graphicFrame>
+        <p:nvGraphicFramePr>
+          <p:cNvPr id="6" name="Inhaltsplatzhalter 5"/>
+          <p:cNvGraphicFramePr>
+            <a:graphicFrameLocks noGrp="1"/>
+          </p:cNvGraphicFramePr>
           <p:nvPr>
             <p:ph idx="1"/>
-          </p:nvPr>
-        </p:nvSpPr>
-        <p:spPr/>
-        <p:txBody>
-          <a:bodyPr/>
-          <a:lstStyle/>
-          <a:p>
-            <a:pPr marL="342900" indent="-342900">
-              <a:buFont typeface="Arial" charset="0"/>
-              <a:buChar char="•"/>
-            </a:pPr>
-            <a:r>
-              <a:rPr lang="fr-FR" dirty="0" err="1" smtClean="0"/>
-              <a:t>Please</a:t>
-            </a:r>
-            <a:r>
-              <a:rPr lang="fr-FR" dirty="0" smtClean="0"/>
-              <a:t> </a:t>
-            </a:r>
-            <a:r>
-              <a:rPr lang="fr-FR" dirty="0" err="1" smtClean="0"/>
-              <a:t>download</a:t>
-            </a:r>
-            <a:r>
-              <a:rPr lang="fr-FR" dirty="0"/>
-              <a:t> </a:t>
-            </a:r>
-            <a:r>
-              <a:rPr lang="fr-FR" dirty="0">
-                <a:hlinkClick r:id="rId2"/>
-              </a:rPr>
-              <a:t>GEMOC Studio</a:t>
-            </a:r>
-            <a:r>
-              <a:rPr lang="fr-FR" dirty="0"/>
-              <a:t> </a:t>
-            </a:r>
-            <a:r>
-              <a:rPr lang="fr-FR" dirty="0" smtClean="0"/>
-              <a:t>and a</a:t>
-            </a:r>
-            <a:r>
-              <a:rPr lang="fr-FR" dirty="0"/>
-              <a:t> </a:t>
-            </a:r>
-            <a:r>
-              <a:rPr lang="fr-FR" dirty="0">
-                <a:hlinkClick r:id="rId3"/>
-              </a:rPr>
-              <a:t>Java 1.8 JDK</a:t>
-            </a:r>
-            <a:endParaRPr lang="en-US" dirty="0"/>
-          </a:p>
-        </p:txBody>
-      </p:sp>
+            <p:extLst>
+              <p:ext uri="{D42A27DB-BD31-4B8C-83A1-F6EECF244321}">
+                <p14:modId xmlns:p14="http://schemas.microsoft.com/office/powerpoint/2010/main" val="1204552220"/>
+              </p:ext>
+            </p:extLst>
+          </p:nvPr>
+        </p:nvGraphicFramePr>
+        <p:xfrm>
+          <a:off x="468313" y="3386688"/>
+          <a:ext cx="8280400" cy="1554480"/>
+        </p:xfrm>
+        <a:graphic>
+          <a:graphicData uri="http://schemas.openxmlformats.org/drawingml/2006/table">
+            <a:tbl>
+              <a:tblPr bandRow="1">
+                <a:tableStyleId>{125E5076-3810-47DD-B79F-674D7AD40C01}</a:tableStyleId>
+              </a:tblPr>
+              <a:tblGrid>
+                <a:gridCol w="2070100"/>
+                <a:gridCol w="2070100"/>
+                <a:gridCol w="2070100"/>
+                <a:gridCol w="2070100"/>
+              </a:tblGrid>
+              <a:tr h="370840">
+                <a:tc>
+                  <a:txBody>
+                    <a:bodyPr/>
+                    <a:lstStyle/>
+                    <a:p>
+                      <a:pPr marL="0" marR="0" indent="0" algn="l" defTabSz="457130" rtl="0" eaLnBrk="1" fontAlgn="auto" latinLnBrk="0" hangingPunct="1">
+                        <a:lnSpc>
+                          <a:spcPct val="100000"/>
+                        </a:lnSpc>
+                        <a:spcBef>
+                          <a:spcPts val="0"/>
+                        </a:spcBef>
+                        <a:spcAft>
+                          <a:spcPts val="0"/>
+                        </a:spcAft>
+                        <a:buClrTx/>
+                        <a:buSzTx/>
+                        <a:buFontTx/>
+                        <a:buNone/>
+                        <a:tabLst/>
+                        <a:defRPr/>
+                      </a:pPr>
+                      <a:endParaRPr lang="de-DE" sz="1800" u="none" strike="noStrike" kern="1200" dirty="0" smtClean="0">
+                        <a:effectLst/>
+                      </a:endParaRPr>
+                    </a:p>
+                    <a:p>
+                      <a:pPr marL="0" marR="0" indent="0" algn="l" defTabSz="457130" rtl="0" eaLnBrk="1" fontAlgn="auto" latinLnBrk="0" hangingPunct="1">
+                        <a:lnSpc>
+                          <a:spcPct val="100000"/>
+                        </a:lnSpc>
+                        <a:spcBef>
+                          <a:spcPts val="0"/>
+                        </a:spcBef>
+                        <a:spcAft>
+                          <a:spcPts val="0"/>
+                        </a:spcAft>
+                        <a:buClrTx/>
+                        <a:buSzTx/>
+                        <a:buFontTx/>
+                        <a:buNone/>
+                        <a:tabLst/>
+                        <a:defRPr/>
+                      </a:pPr>
+                      <a:r>
+                        <a:rPr lang="de-DE" sz="1800" u="none" strike="noStrike" kern="1200" dirty="0" smtClean="0">
+                          <a:effectLst/>
+                        </a:rPr>
+                        <a:t>Olivier </a:t>
+                      </a:r>
+                      <a:br>
+                        <a:rPr lang="de-DE" sz="1800" u="none" strike="noStrike" kern="1200" dirty="0" smtClean="0">
+                          <a:effectLst/>
+                        </a:rPr>
+                      </a:br>
+                      <a:r>
+                        <a:rPr lang="de-DE" sz="1800" u="none" strike="noStrike" kern="1200" dirty="0" err="1" smtClean="0">
+                          <a:effectLst/>
+                        </a:rPr>
+                        <a:t>Barais</a:t>
+                      </a:r>
+                      <a:r>
+                        <a:rPr lang="de-DE" sz="1800" u="none" strike="noStrike" kern="1200" dirty="0" smtClean="0">
+                          <a:effectLst/>
+                        </a:rPr>
+                        <a:t/>
+                      </a:r>
+                      <a:br>
+                        <a:rPr lang="de-DE" sz="1800" u="none" strike="noStrike" kern="1200" dirty="0" smtClean="0">
+                          <a:effectLst/>
+                        </a:rPr>
+                      </a:br>
+                      <a:r>
+                        <a:rPr lang="fr-FR" sz="1400" dirty="0" err="1" smtClean="0"/>
+                        <a:t>Inria</a:t>
+                      </a:r>
+                      <a:r>
+                        <a:rPr lang="fr-FR" sz="1400" dirty="0" smtClean="0"/>
+                        <a:t> &amp; </a:t>
+                      </a:r>
+                      <a:r>
+                        <a:rPr lang="fr-FR" sz="1400" dirty="0" err="1" smtClean="0"/>
+                        <a:t>Univ</a:t>
+                      </a:r>
+                      <a:r>
+                        <a:rPr lang="fr-FR" sz="1400" dirty="0" smtClean="0"/>
+                        <a:t>. Rennes 1</a:t>
+                      </a:r>
+                    </a:p>
+                    <a:p>
+                      <a:pPr marL="0" marR="0" indent="0" algn="l" defTabSz="457130" rtl="0" eaLnBrk="1" fontAlgn="auto" latinLnBrk="0" hangingPunct="1">
+                        <a:lnSpc>
+                          <a:spcPct val="100000"/>
+                        </a:lnSpc>
+                        <a:spcBef>
+                          <a:spcPts val="0"/>
+                        </a:spcBef>
+                        <a:spcAft>
+                          <a:spcPts val="0"/>
+                        </a:spcAft>
+                        <a:buClrTx/>
+                        <a:buSzTx/>
+                        <a:buFontTx/>
+                        <a:buNone/>
+                        <a:tabLst/>
+                        <a:defRPr/>
+                      </a:pPr>
+                      <a:endParaRPr lang="de-DE" sz="1800" u="none" strike="noStrike" kern="1200" dirty="0" smtClean="0">
+                        <a:effectLst/>
+                      </a:endParaRPr>
+                    </a:p>
+                  </a:txBody>
+                  <a:tcPr/>
+                </a:tc>
+                <a:tc>
+                  <a:txBody>
+                    <a:bodyPr/>
+                    <a:lstStyle/>
+                    <a:p>
+                      <a:endParaRPr lang="de-DE" sz="1800" u="none" strike="noStrike" kern="1200" dirty="0" smtClean="0">
+                        <a:effectLst/>
+                      </a:endParaRPr>
+                    </a:p>
+                    <a:p>
+                      <a:r>
+                        <a:rPr lang="de-DE" sz="1800" u="none" strike="noStrike" kern="1200" dirty="0" smtClean="0">
+                          <a:effectLst/>
+                        </a:rPr>
+                        <a:t>Benoit </a:t>
+                      </a:r>
+                      <a:r>
+                        <a:rPr lang="de-DE" sz="1800" u="none" strike="noStrike" kern="1200" dirty="0" err="1" smtClean="0">
+                          <a:effectLst/>
+                        </a:rPr>
+                        <a:t>Combemale</a:t>
+                      </a:r>
+                      <a:endParaRPr lang="de-DE" sz="1800" u="none" strike="noStrike" kern="1200" dirty="0" smtClean="0">
+                        <a:effectLst/>
+                      </a:endParaRPr>
+                    </a:p>
+                    <a:p>
+                      <a:pPr marL="0" marR="0" indent="0" algn="l" defTabSz="457130" rtl="0" eaLnBrk="1" fontAlgn="auto" latinLnBrk="0" hangingPunct="1">
+                        <a:lnSpc>
+                          <a:spcPct val="100000"/>
+                        </a:lnSpc>
+                        <a:spcBef>
+                          <a:spcPts val="0"/>
+                        </a:spcBef>
+                        <a:spcAft>
+                          <a:spcPts val="0"/>
+                        </a:spcAft>
+                        <a:buClrTx/>
+                        <a:buSzTx/>
+                        <a:buFontTx/>
+                        <a:buNone/>
+                        <a:tabLst/>
+                        <a:defRPr/>
+                      </a:pPr>
+                      <a:r>
+                        <a:rPr lang="fr-FR" sz="1400" dirty="0" err="1" smtClean="0"/>
+                        <a:t>Inria</a:t>
+                      </a:r>
+                      <a:r>
+                        <a:rPr lang="fr-FR" sz="1400" dirty="0" smtClean="0"/>
+                        <a:t> &amp; </a:t>
+                      </a:r>
+                      <a:r>
+                        <a:rPr lang="fr-FR" sz="1400" dirty="0" err="1" smtClean="0"/>
+                        <a:t>Univ</a:t>
+                      </a:r>
+                      <a:r>
+                        <a:rPr lang="fr-FR" sz="1400" dirty="0" smtClean="0"/>
+                        <a:t>. Rennes 1</a:t>
+                      </a:r>
+                    </a:p>
+                    <a:p>
+                      <a:endParaRPr lang="en-US" dirty="0"/>
+                    </a:p>
+                  </a:txBody>
+                  <a:tcPr/>
+                </a:tc>
+                <a:tc>
+                  <a:txBody>
+                    <a:bodyPr/>
+                    <a:lstStyle/>
+                    <a:p>
+                      <a:pPr marL="0" marR="0" indent="0" algn="l" defTabSz="457130" rtl="0" eaLnBrk="1" fontAlgn="auto" latinLnBrk="0" hangingPunct="1">
+                        <a:lnSpc>
+                          <a:spcPct val="100000"/>
+                        </a:lnSpc>
+                        <a:spcBef>
+                          <a:spcPts val="0"/>
+                        </a:spcBef>
+                        <a:spcAft>
+                          <a:spcPts val="0"/>
+                        </a:spcAft>
+                        <a:buClrTx/>
+                        <a:buSzTx/>
+                        <a:buFontTx/>
+                        <a:buNone/>
+                        <a:tabLst/>
+                        <a:defRPr/>
+                      </a:pPr>
+                      <a:endParaRPr lang="de-DE" sz="1800" u="none" strike="noStrike" kern="1200" dirty="0" smtClean="0">
+                        <a:effectLst/>
+                      </a:endParaRPr>
+                    </a:p>
+                    <a:p>
+                      <a:pPr marL="0" marR="0" indent="0" algn="l" defTabSz="457130" rtl="0" eaLnBrk="1" fontAlgn="auto" latinLnBrk="0" hangingPunct="1">
+                        <a:lnSpc>
+                          <a:spcPct val="100000"/>
+                        </a:lnSpc>
+                        <a:spcBef>
+                          <a:spcPts val="0"/>
+                        </a:spcBef>
+                        <a:spcAft>
+                          <a:spcPts val="0"/>
+                        </a:spcAft>
+                        <a:buClrTx/>
+                        <a:buSzTx/>
+                        <a:buFontTx/>
+                        <a:buNone/>
+                        <a:tabLst/>
+                        <a:defRPr/>
+                      </a:pPr>
+                      <a:r>
+                        <a:rPr lang="de-DE" sz="1800" u="none" strike="noStrike" kern="1200" dirty="0" smtClean="0">
+                          <a:effectLst/>
+                        </a:rPr>
+                        <a:t>Didier </a:t>
+                      </a:r>
+                      <a:br>
+                        <a:rPr lang="de-DE" sz="1800" u="none" strike="noStrike" kern="1200" dirty="0" smtClean="0">
+                          <a:effectLst/>
+                        </a:rPr>
+                      </a:br>
+                      <a:r>
+                        <a:rPr lang="de-DE" sz="1800" u="none" strike="noStrike" kern="1200" dirty="0" err="1" smtClean="0">
+                          <a:effectLst/>
+                        </a:rPr>
+                        <a:t>Vojtisek</a:t>
+                      </a:r>
+                      <a:endParaRPr lang="de-DE" sz="1800" u="none" strike="noStrike" kern="1200" dirty="0" smtClean="0">
+                        <a:effectLst/>
+                      </a:endParaRPr>
+                    </a:p>
+                    <a:p>
+                      <a:pPr marL="0" marR="0" indent="0" algn="l" defTabSz="457130" rtl="0" eaLnBrk="1" fontAlgn="auto" latinLnBrk="0" hangingPunct="1">
+                        <a:lnSpc>
+                          <a:spcPct val="100000"/>
+                        </a:lnSpc>
+                        <a:spcBef>
+                          <a:spcPts val="0"/>
+                        </a:spcBef>
+                        <a:spcAft>
+                          <a:spcPts val="0"/>
+                        </a:spcAft>
+                        <a:buClrTx/>
+                        <a:buSzTx/>
+                        <a:buFontTx/>
+                        <a:buNone/>
+                        <a:tabLst/>
+                        <a:defRPr/>
+                      </a:pPr>
+                      <a:r>
+                        <a:rPr lang="fr-FR" sz="1400" dirty="0" err="1" smtClean="0"/>
+                        <a:t>Inria</a:t>
+                      </a:r>
+                      <a:endParaRPr lang="en-US" dirty="0"/>
+                    </a:p>
+                  </a:txBody>
+                  <a:tcPr/>
+                </a:tc>
+                <a:tc>
+                  <a:txBody>
+                    <a:bodyPr/>
+                    <a:lstStyle/>
+                    <a:p>
+                      <a:endParaRPr lang="en-US" dirty="0" smtClean="0"/>
+                    </a:p>
+                    <a:p>
+                      <a:r>
+                        <a:rPr lang="en-US" dirty="0" smtClean="0"/>
+                        <a:t>Andreas </a:t>
+                      </a:r>
+                      <a:r>
+                        <a:rPr lang="en-US" dirty="0" err="1" smtClean="0"/>
+                        <a:t>Wortmann</a:t>
+                      </a:r>
+                      <a:endParaRPr lang="en-US" dirty="0" smtClean="0"/>
+                    </a:p>
+                    <a:p>
+                      <a:pPr marL="0" marR="0" indent="0" algn="l" defTabSz="457130" rtl="0" eaLnBrk="1" fontAlgn="auto" latinLnBrk="0" hangingPunct="1">
+                        <a:lnSpc>
+                          <a:spcPct val="100000"/>
+                        </a:lnSpc>
+                        <a:spcBef>
+                          <a:spcPts val="0"/>
+                        </a:spcBef>
+                        <a:spcAft>
+                          <a:spcPts val="0"/>
+                        </a:spcAft>
+                        <a:buClrTx/>
+                        <a:buSzTx/>
+                        <a:buFontTx/>
+                        <a:buNone/>
+                        <a:tabLst/>
+                        <a:defRPr/>
+                      </a:pPr>
+                      <a:r>
+                        <a:rPr lang="fr-FR" sz="1400" dirty="0" err="1" smtClean="0"/>
+                        <a:t>Inria</a:t>
+                      </a:r>
+                      <a:r>
+                        <a:rPr lang="fr-FR" sz="1400" dirty="0" smtClean="0"/>
+                        <a:t> &amp; </a:t>
+                      </a:r>
+                      <a:r>
+                        <a:rPr lang="fr-FR" sz="1400" dirty="0" err="1" smtClean="0"/>
+                        <a:t>Univ</a:t>
+                      </a:r>
+                      <a:r>
+                        <a:rPr lang="fr-FR" sz="1400" dirty="0" smtClean="0"/>
+                        <a:t>. Rennes 1</a:t>
+                      </a:r>
+                    </a:p>
+                    <a:p>
+                      <a:pPr marL="0" marR="0" indent="0" algn="l" defTabSz="457130" rtl="0" eaLnBrk="1" fontAlgn="auto" latinLnBrk="0" hangingPunct="1">
+                        <a:lnSpc>
+                          <a:spcPct val="100000"/>
+                        </a:lnSpc>
+                        <a:spcBef>
+                          <a:spcPts val="0"/>
+                        </a:spcBef>
+                        <a:spcAft>
+                          <a:spcPts val="0"/>
+                        </a:spcAft>
+                        <a:buClrTx/>
+                        <a:buSzTx/>
+                        <a:buFontTx/>
+                        <a:buNone/>
+                        <a:tabLst/>
+                        <a:defRPr/>
+                      </a:pPr>
+                      <a:r>
+                        <a:rPr lang="fr-FR" sz="1400" dirty="0" smtClean="0"/>
+                        <a:t>RWTH Aachen</a:t>
+                      </a:r>
+                      <a:endParaRPr lang="en-US" sz="1800" dirty="0" smtClean="0"/>
+                    </a:p>
+                    <a:p>
+                      <a:pPr marL="0" marR="0" indent="0" algn="l" defTabSz="457130" rtl="0" eaLnBrk="1" fontAlgn="auto" latinLnBrk="0" hangingPunct="1">
+                        <a:lnSpc>
+                          <a:spcPct val="100000"/>
+                        </a:lnSpc>
+                        <a:spcBef>
+                          <a:spcPts val="0"/>
+                        </a:spcBef>
+                        <a:spcAft>
+                          <a:spcPts val="0"/>
+                        </a:spcAft>
+                        <a:buClrTx/>
+                        <a:buSzTx/>
+                        <a:buFontTx/>
+                        <a:buNone/>
+                        <a:tabLst/>
+                        <a:defRPr/>
+                      </a:pPr>
+                      <a:endParaRPr lang="fr-FR" sz="1400" dirty="0" smtClean="0"/>
+                    </a:p>
+                  </a:txBody>
+                  <a:tcPr/>
+                </a:tc>
+              </a:tr>
+            </a:tbl>
+          </a:graphicData>
+        </a:graphic>
+      </p:graphicFrame>
+      <p:pic>
+        <p:nvPicPr>
+          <p:cNvPr id="9" name="Bild 8"/>
+          <p:cNvPicPr>
+            <a:picLocks/>
+          </p:cNvPicPr>
+          <p:nvPr/>
+        </p:nvPicPr>
+        <p:blipFill>
+          <a:blip r:embed="rId2">
+            <a:extLst>
+              <a:ext uri="{28A0092B-C50C-407E-A947-70E740481C1C}">
+                <a14:useLocalDpi xmlns:a14="http://schemas.microsoft.com/office/drawing/2010/main" val="0"/>
+              </a:ext>
+            </a:extLst>
+          </a:blip>
+          <a:stretch>
+            <a:fillRect/>
+          </a:stretch>
+        </p:blipFill>
+        <p:spPr>
+          <a:xfrm>
+            <a:off x="4716016" y="1494710"/>
+            <a:ext cx="1800000" cy="2160000"/>
+          </a:xfrm>
+          <a:prstGeom prst="rect">
+            <a:avLst/>
+          </a:prstGeom>
+        </p:spPr>
+      </p:pic>
+      <p:pic>
+        <p:nvPicPr>
+          <p:cNvPr id="10" name="Bild 9"/>
+          <p:cNvPicPr>
+            <a:picLocks/>
+          </p:cNvPicPr>
+          <p:nvPr/>
+        </p:nvPicPr>
+        <p:blipFill rotWithShape="1">
+          <a:blip r:embed="rId3">
+            <a:extLst>
+              <a:ext uri="{28A0092B-C50C-407E-A947-70E740481C1C}">
+                <a14:useLocalDpi xmlns:a14="http://schemas.microsoft.com/office/drawing/2010/main" val="0"/>
+              </a:ext>
+            </a:extLst>
+          </a:blip>
+          <a:srcRect l="10001" r="6656"/>
+          <a:stretch/>
+        </p:blipFill>
+        <p:spPr>
+          <a:xfrm>
+            <a:off x="2699792" y="1494710"/>
+            <a:ext cx="1800200" cy="2160000"/>
+          </a:xfrm>
+          <a:prstGeom prst="rect">
+            <a:avLst/>
+          </a:prstGeom>
+        </p:spPr>
+      </p:pic>
+      <p:pic>
+        <p:nvPicPr>
+          <p:cNvPr id="11" name="Bild 10"/>
+          <p:cNvPicPr>
+            <a:picLocks noChangeAspect="1"/>
+          </p:cNvPicPr>
+          <p:nvPr/>
+        </p:nvPicPr>
+        <p:blipFill rotWithShape="1">
+          <a:blip r:embed="rId4">
+            <a:extLst>
+              <a:ext uri="{28A0092B-C50C-407E-A947-70E740481C1C}">
+                <a14:useLocalDpi xmlns:a14="http://schemas.microsoft.com/office/drawing/2010/main" val="0"/>
+              </a:ext>
+            </a:extLst>
+          </a:blip>
+          <a:srcRect t="8711"/>
+          <a:stretch/>
+        </p:blipFill>
+        <p:spPr>
+          <a:xfrm>
+            <a:off x="611560" y="1494710"/>
+            <a:ext cx="1800000" cy="2160000"/>
+          </a:xfrm>
+          <a:prstGeom prst="rect">
+            <a:avLst/>
+          </a:prstGeom>
+        </p:spPr>
+      </p:pic>
+      <p:pic>
+        <p:nvPicPr>
+          <p:cNvPr id="12" name="Bild 11"/>
+          <p:cNvPicPr>
+            <a:picLocks noChangeAspect="1"/>
+          </p:cNvPicPr>
+          <p:nvPr/>
+        </p:nvPicPr>
+        <p:blipFill rotWithShape="1">
+          <a:blip r:embed="rId5">
+            <a:extLst>
+              <a:ext uri="{28A0092B-C50C-407E-A947-70E740481C1C}">
+                <a14:useLocalDpi xmlns:a14="http://schemas.microsoft.com/office/drawing/2010/main" val="0"/>
+              </a:ext>
+            </a:extLst>
+          </a:blip>
+          <a:srcRect l="22431" t="24484" r="30362"/>
+          <a:stretch/>
+        </p:blipFill>
+        <p:spPr>
+          <a:xfrm>
+            <a:off x="6812865" y="1485135"/>
+            <a:ext cx="1800400" cy="2160001"/>
+          </a:xfrm>
+          <a:prstGeom prst="rect">
+            <a:avLst/>
+          </a:prstGeom>
+        </p:spPr>
+      </p:pic>
     </p:spTree>
     <p:extLst>
       <p:ext uri="{BB962C8B-B14F-4D97-AF65-F5344CB8AC3E}">
-        <p14:creationId xmlns:p14="http://schemas.microsoft.com/office/powerpoint/2010/main" val="1050434561"/>
+        <p14:creationId xmlns:p14="http://schemas.microsoft.com/office/powerpoint/2010/main" val="1789891756"/>
       </p:ext>
     </p:extLst>
   </p:cSld>
@@ -60813,7 +61332,7 @@
       </p:grpSpPr>
       <p:sp>
         <p:nvSpPr>
-          <p:cNvPr id="2" name="Titre 1"/>
+          <p:cNvPr id="2" name="Titel 1"/>
           <p:cNvSpPr>
             <a:spLocks noGrp="1"/>
           </p:cNvSpPr>
@@ -60828,7 +61347,7 @@
           <a:p>
             <a:r>
               <a:rPr lang="en-US" dirty="0" smtClean="0"/>
-              <a:t>Program</a:t>
+              <a:t>Preparation</a:t>
             </a:r>
             <a:endParaRPr lang="en-US" dirty="0"/>
           </a:p>
@@ -60836,7 +61355,7 @@
       </p:sp>
       <p:sp>
         <p:nvSpPr>
-          <p:cNvPr id="3" name="Espace réservé du pied de page 2"/>
+          <p:cNvPr id="3" name="Fußzeilenplatzhalter 2"/>
           <p:cNvSpPr>
             <a:spLocks noGrp="1"/>
           </p:cNvSpPr>
@@ -60850,16 +61369,20 @@
           <a:lstStyle/>
           <a:p>
             <a:r>
-              <a:rPr lang="en-US" dirty="0"/>
-              <a:t>GEMOC Studio Tutorial</a:t>
-            </a:r>
-            <a:endParaRPr lang="en-US" dirty="0"/>
-          </a:p>
-        </p:txBody>
-      </p:sp>
-      <p:sp>
-        <p:nvSpPr>
-          <p:cNvPr id="4" name="Espace réservé du numéro de diapositive 3"/>
+              <a:rPr lang="en-US" dirty="0" err="1" smtClean="0"/>
+              <a:t>MontiArc</a:t>
+            </a:r>
+            <a:r>
+              <a:rPr lang="en-US" dirty="0" smtClean="0"/>
+              <a:t> Overview</a:t>
+            </a:r>
+            <a:endParaRPr lang="en-US" sz="1000" i="1" dirty="0" smtClean="0"/>
+          </a:p>
+        </p:txBody>
+      </p:sp>
+      <p:sp>
+        <p:nvSpPr>
+          <p:cNvPr id="4" name="Foliennummernplatzhalter 3"/>
           <p:cNvSpPr>
             <a:spLocks noGrp="1"/>
           </p:cNvSpPr>
@@ -60892,6 +61415,242 @@
       </p:sp>
       <p:sp>
         <p:nvSpPr>
+          <p:cNvPr id="5" name="Inhaltsplatzhalter 4"/>
+          <p:cNvSpPr>
+            <a:spLocks noGrp="1"/>
+          </p:cNvSpPr>
+          <p:nvPr>
+            <p:ph idx="1"/>
+          </p:nvPr>
+        </p:nvSpPr>
+        <p:spPr/>
+        <p:txBody>
+          <a:bodyPr/>
+          <a:lstStyle/>
+          <a:p>
+            <a:pPr marL="342900" indent="-342900">
+              <a:buFont typeface="Arial" charset="0"/>
+              <a:buChar char="•"/>
+            </a:pPr>
+            <a:r>
+              <a:rPr lang="en-US" dirty="0" smtClean="0"/>
+              <a:t>Please download </a:t>
+            </a:r>
+          </a:p>
+          <a:p>
+            <a:pPr marL="1076212" lvl="2" indent="-342900">
+              <a:buFont typeface="Arial" charset="0"/>
+              <a:buChar char="•"/>
+            </a:pPr>
+            <a:r>
+              <a:rPr lang="en-US" dirty="0" smtClean="0"/>
+              <a:t>GEMOC Studio </a:t>
+            </a:r>
+            <a:r>
+              <a:rPr lang="en-US" u="sng" dirty="0" smtClean="0">
+                <a:solidFill>
+                  <a:srgbClr val="FF0000"/>
+                </a:solidFill>
+              </a:rPr>
+              <a:t>http://</a:t>
+            </a:r>
+            <a:r>
+              <a:rPr lang="en-US" u="sng" dirty="0" err="1" smtClean="0">
+                <a:solidFill>
+                  <a:srgbClr val="FF0000"/>
+                </a:solidFill>
+              </a:rPr>
+              <a:t>gemoc.org</a:t>
+            </a:r>
+            <a:r>
+              <a:rPr lang="en-US" u="sng" dirty="0" smtClean="0">
+                <a:solidFill>
+                  <a:srgbClr val="FF0000"/>
+                </a:solidFill>
+              </a:rPr>
+              <a:t>/</a:t>
+            </a:r>
+            <a:r>
+              <a:rPr lang="en-US" u="sng" dirty="0" err="1" smtClean="0">
+                <a:solidFill>
+                  <a:srgbClr val="FF0000"/>
+                </a:solidFill>
+              </a:rPr>
+              <a:t>download.html</a:t>
+            </a:r>
+            <a:endParaRPr lang="en-US" u="sng" dirty="0" smtClean="0">
+              <a:solidFill>
+                <a:srgbClr val="FF0000"/>
+              </a:solidFill>
+            </a:endParaRPr>
+          </a:p>
+          <a:p>
+            <a:pPr marL="1076212" lvl="2" indent="-342900">
+              <a:buFont typeface="Arial" charset="0"/>
+              <a:buChar char="•"/>
+            </a:pPr>
+            <a:r>
+              <a:rPr lang="en-US" dirty="0" smtClean="0"/>
+              <a:t>Java 8 JDK </a:t>
+            </a:r>
+            <a:r>
+              <a:rPr lang="en-US" u="sng" dirty="0" smtClean="0">
+                <a:solidFill>
+                  <a:srgbClr val="FF0000"/>
+                </a:solidFill>
+              </a:rPr>
+              <a:t>https://</a:t>
+            </a:r>
+            <a:r>
+              <a:rPr lang="en-US" u="sng" dirty="0" err="1" smtClean="0">
+                <a:solidFill>
+                  <a:srgbClr val="FF0000"/>
+                </a:solidFill>
+              </a:rPr>
+              <a:t>goo.gl</a:t>
+            </a:r>
+            <a:r>
+              <a:rPr lang="en-US" u="sng" dirty="0" smtClean="0">
+                <a:solidFill>
+                  <a:srgbClr val="FF0000"/>
+                </a:solidFill>
+              </a:rPr>
+              <a:t>/lX8FxD</a:t>
+            </a:r>
+          </a:p>
+          <a:p>
+            <a:pPr marL="1076212" lvl="2" indent="-342900">
+              <a:buFont typeface="Arial" charset="0"/>
+              <a:buChar char="•"/>
+            </a:pPr>
+            <a:endParaRPr lang="en-US" dirty="0" smtClean="0"/>
+          </a:p>
+          <a:p>
+            <a:pPr marL="361945" lvl="1" indent="-342900">
+              <a:buFont typeface="Arial" charset="0"/>
+              <a:buChar char="•"/>
+            </a:pPr>
+            <a:endParaRPr lang="en-US" dirty="0" smtClean="0"/>
+          </a:p>
+          <a:p>
+            <a:pPr marL="1076212" lvl="2" indent="-342900">
+              <a:buFont typeface="Arial" charset="0"/>
+              <a:buChar char="•"/>
+            </a:pPr>
+            <a:endParaRPr lang="en-US" dirty="0"/>
+          </a:p>
+        </p:txBody>
+      </p:sp>
+    </p:spTree>
+    <p:extLst>
+      <p:ext uri="{BB962C8B-B14F-4D97-AF65-F5344CB8AC3E}">
+        <p14:creationId xmlns:p14="http://schemas.microsoft.com/office/powerpoint/2010/main" val="187898710"/>
+      </p:ext>
+    </p:extLst>
+  </p:cSld>
+  <p:clrMapOvr>
+    <a:masterClrMapping/>
+  </p:clrMapOvr>
+</p:sld>
+</file>
+
+<file path=ppt/slides/slide5.xml><?xml version="1.0" encoding="utf-8"?>
+<p:sld xmlns:a="http://schemas.openxmlformats.org/drawingml/2006/main" xmlns:r="http://schemas.openxmlformats.org/officeDocument/2006/relationships" xmlns:p="http://schemas.openxmlformats.org/presentationml/2006/main">
+  <p:cSld>
+    <p:spTree>
+      <p:nvGrpSpPr>
+        <p:cNvPr id="1" name=""/>
+        <p:cNvGrpSpPr/>
+        <p:nvPr/>
+      </p:nvGrpSpPr>
+      <p:grpSpPr>
+        <a:xfrm>
+          <a:off x="0" y="0"/>
+          <a:ext cx="0" cy="0"/>
+          <a:chOff x="0" y="0"/>
+          <a:chExt cx="0" cy="0"/>
+        </a:xfrm>
+      </p:grpSpPr>
+      <p:sp>
+        <p:nvSpPr>
+          <p:cNvPr id="2" name="Titre 1"/>
+          <p:cNvSpPr>
+            <a:spLocks noGrp="1"/>
+          </p:cNvSpPr>
+          <p:nvPr>
+            <p:ph type="title"/>
+          </p:nvPr>
+        </p:nvSpPr>
+        <p:spPr/>
+        <p:txBody>
+          <a:bodyPr/>
+          <a:lstStyle/>
+          <a:p>
+            <a:r>
+              <a:rPr lang="en-US" dirty="0" smtClean="0"/>
+              <a:t>Program</a:t>
+            </a:r>
+            <a:endParaRPr lang="en-US" dirty="0"/>
+          </a:p>
+        </p:txBody>
+      </p:sp>
+      <p:sp>
+        <p:nvSpPr>
+          <p:cNvPr id="3" name="Espace réservé du pied de page 2"/>
+          <p:cNvSpPr>
+            <a:spLocks noGrp="1"/>
+          </p:cNvSpPr>
+          <p:nvPr>
+            <p:ph type="ftr" sz="quarter" idx="15"/>
+          </p:nvPr>
+        </p:nvSpPr>
+        <p:spPr/>
+        <p:txBody>
+          <a:bodyPr/>
+          <a:lstStyle/>
+          <a:p>
+            <a:r>
+              <a:rPr lang="en-US" dirty="0"/>
+              <a:t>GEMOC Studio Tutorial</a:t>
+            </a:r>
+          </a:p>
+        </p:txBody>
+      </p:sp>
+      <p:sp>
+        <p:nvSpPr>
+          <p:cNvPr id="4" name="Espace réservé du numéro de diapositive 3"/>
+          <p:cNvSpPr>
+            <a:spLocks noGrp="1"/>
+          </p:cNvSpPr>
+          <p:nvPr>
+            <p:ph type="sldNum" sz="quarter" idx="16"/>
+          </p:nvPr>
+        </p:nvSpPr>
+        <p:spPr/>
+        <p:txBody>
+          <a:bodyPr/>
+          <a:lstStyle/>
+          <a:p>
+            <a:pPr>
+              <a:defRPr/>
+            </a:pPr>
+            <a:r>
+              <a:rPr lang="en-US" dirty="0" smtClean="0"/>
+              <a:t>- </a:t>
+            </a:r>
+            <a:fld id="{CCD8A327-4A42-4F42-8894-A6F43B7F265B}" type="slidenum">
+              <a:rPr lang="en-US" smtClean="0"/>
+              <a:pPr>
+                <a:defRPr/>
+              </a:pPr>
+              <a:t>5</a:t>
+            </a:fld>
+            <a:endParaRPr lang="en-US" dirty="0"/>
+          </a:p>
+        </p:txBody>
+      </p:sp>
+      <p:sp>
+        <p:nvSpPr>
           <p:cNvPr id="5" name="Espace réservé du contenu 4"/>
           <p:cNvSpPr>
             <a:spLocks noGrp="1"/>
@@ -60946,18 +61705,26 @@
             </a:r>
             <a:r>
               <a:rPr lang="en-US" dirty="0"/>
-              <a:t>- 14:45 Presentations: GEMOC Initiative, GEMO Studio, </a:t>
+              <a:t>- 14:45 Presentations: GEMOC Initiative, </a:t>
             </a:r>
             <a:r>
               <a:rPr lang="en-US" dirty="0" smtClean="0"/>
-              <a:t/>
+              <a:t>GEMOC </a:t>
             </a:r>
             <a:br>
               <a:rPr lang="en-US" dirty="0" smtClean="0"/>
             </a:br>
             <a:r>
               <a:rPr lang="en-US" dirty="0" smtClean="0"/>
-              <a:t>       						 and </a:t>
+              <a:t>									 Studio</a:t>
+            </a:r>
+            <a:r>
+              <a:rPr lang="en-US" dirty="0"/>
+              <a:t>, </a:t>
+            </a:r>
+            <a:r>
+              <a:rPr lang="en-US" dirty="0" smtClean="0"/>
+              <a:t>and </a:t>
             </a:r>
             <a:r>
               <a:rPr lang="en-US" dirty="0" err="1"/>
@@ -61095,7 +61862,7 @@
 </p:sld>
 </file>
 
-<file path=ppt/slides/slide5.xml><?xml version="1.0" encoding="utf-8"?>
+<file path=ppt/slides/slide6.xml><?xml version="1.0" encoding="utf-8"?>
 <p:sld xmlns:a="http://schemas.openxmlformats.org/drawingml/2006/main" xmlns:r="http://schemas.openxmlformats.org/officeDocument/2006/relationships" xmlns:p="http://schemas.openxmlformats.org/presentationml/2006/main">
   <p:cSld>
     <p:spTree>
@@ -61197,7 +61964,7 @@
               <a:pPr>
                 <a:defRPr/>
               </a:pPr>
-              <a:t>5</a:t>
+              <a:t>6</a:t>
             </a:fld>
             <a:endParaRPr lang="fr-FR"/>
           </a:p>
